--- a/4 ⚙️ Solution/30 🫥 Agents/04 💳 Payers/00 📎 Assets/💳 .pptx
+++ b/4 ⚙️ Solution/30 🫥 Agents/04 💳 Payers/00 📎 Assets/💳 .pptx
@@ -28,7 +28,7 @@
       <p:boldItalic r:id="rId12"/>
     </p:embeddedFont>
     <p:embeddedFont>
-      <p:font typeface="Amazon Ember Display" panose="020B0603020204020204" pitchFamily="34" charset="0"/>
+      <p:font typeface="Amazon Ember Display" panose="020F0603020204020204" pitchFamily="34" charset="0"/>
       <p:regular r:id="rId13"/>
       <p:bold r:id="rId14"/>
       <p:italic r:id="rId15"/>
@@ -686,7 +686,7 @@
           <a:p>
             <a:fld id="{542F96DF-134D-4F6A-BFA6-E032E504EEEB}" type="datetime8">
               <a:rPr lang="en-US" smtClean="0"/>
-              <a:t>4/22/25 9:15 PM</a:t>
+              <a:t>9/9/25 5:58 PM</a:t>
             </a:fld>
             <a:endParaRPr lang="en-US" dirty="0"/>
           </a:p>
@@ -887,7 +887,7 @@
           <a:p>
             <a:fld id="{542F96DF-134D-4F6A-BFA6-E032E504EEEB}" type="datetime8">
               <a:rPr lang="en-US" smtClean="0"/>
-              <a:t>4/22/25 9:15 PM</a:t>
+              <a:t>9/9/25 5:58 PM</a:t>
             </a:fld>
             <a:endParaRPr lang="en-US" dirty="0"/>
           </a:p>
@@ -1094,7 +1094,7 @@
           <a:p>
             <a:fld id="{542F96DF-134D-4F6A-BFA6-E032E504EEEB}" type="datetime8">
               <a:rPr lang="en-US" smtClean="0"/>
-              <a:t>4/22/25 9:15 PM</a:t>
+              <a:t>9/9/25 5:58 PM</a:t>
             </a:fld>
             <a:endParaRPr lang="en-US" dirty="0"/>
           </a:p>
@@ -1301,7 +1301,7 @@
           <a:p>
             <a:fld id="{542F96DF-134D-4F6A-BFA6-E032E504EEEB}" type="datetime8">
               <a:rPr lang="en-US" smtClean="0"/>
-              <a:t>4/22/25 9:15 PM</a:t>
+              <a:t>9/9/25 5:58 PM</a:t>
             </a:fld>
             <a:endParaRPr lang="en-US" dirty="0"/>
           </a:p>
@@ -2360,7 +2360,7 @@
                     </a:glow>
                   </a:effectLst>
                 </a:rPr>
-                <a:t>👥 </a:t>
+                <a:t>🤗 </a:t>
               </a:r>
               <a:r>
                 <a:rPr lang="en-GB" sz="2000" i="1" dirty="0">
@@ -2376,7 +2376,7 @@
                     </a:glow>
                   </a:effectLst>
                 </a:rPr>
-                <a:t>domain</a:t>
+                <a:t>host</a:t>
               </a:r>
             </a:p>
             <a:p>
